--- a/EEG/Chapter 5.pptx
+++ b/EEG/Chapter 5.pptx
@@ -205,7 +205,7 @@
           <a:p>
             <a:fld id="{637E02FF-8B61-4104-92AB-77F3D506DA4A}" type="datetimeFigureOut">
               <a:rPr lang="ko-KR" altLang="en-US" smtClean="0"/>
-              <a:t>2019-08-02</a:t>
+              <a:t>2019-08-07</a:t>
             </a:fld>
             <a:endParaRPr lang="ko-KR" altLang="en-US"/>
           </a:p>
@@ -1628,12 +1628,16 @@
               <a:t>가 있는데 </a:t>
             </a:r>
             <a:r>
-              <a:rPr lang="en-US" altLang="ko-KR" baseline="0" dirty="0" err="1" smtClean="0"/>
-              <a:t>impedanc</a:t>
-            </a:r>
-            <a:r>
-              <a:rPr lang="ko-KR" altLang="en-US" baseline="0" dirty="0" smtClean="0"/>
-              <a:t>에 따라서 이 </a:t>
+              <a:rPr lang="en-US" altLang="ko-KR" baseline="0" dirty="0" smtClean="0"/>
+              <a:t>impedance </a:t>
+            </a:r>
+            <a:r>
+              <a:rPr lang="ko-KR" altLang="en-US" baseline="0" dirty="0" smtClean="0"/>
+              <a:t>에 </a:t>
+            </a:r>
+            <a:r>
+              <a:rPr lang="ko-KR" altLang="en-US" baseline="0" dirty="0" smtClean="0"/>
+              <a:t>따라서 이 </a:t>
             </a:r>
             <a:r>
               <a:rPr lang="en-US" altLang="ko-KR" baseline="0" dirty="0" smtClean="0"/>
@@ -2170,7 +2174,7 @@
           <a:p>
             <a:fld id="{8D6BB545-6D50-481C-A058-3FDF74AC1A66}" type="datetimeFigureOut">
               <a:rPr lang="ko-KR" altLang="en-US" smtClean="0"/>
-              <a:t>2019-08-02</a:t>
+              <a:t>2019-08-07</a:t>
             </a:fld>
             <a:endParaRPr lang="ko-KR" altLang="en-US"/>
           </a:p>
@@ -2340,7 +2344,7 @@
           <a:p>
             <a:fld id="{8D6BB545-6D50-481C-A058-3FDF74AC1A66}" type="datetimeFigureOut">
               <a:rPr lang="ko-KR" altLang="en-US" smtClean="0"/>
-              <a:t>2019-08-02</a:t>
+              <a:t>2019-08-07</a:t>
             </a:fld>
             <a:endParaRPr lang="ko-KR" altLang="en-US"/>
           </a:p>
@@ -2520,7 +2524,7 @@
           <a:p>
             <a:fld id="{8D6BB545-6D50-481C-A058-3FDF74AC1A66}" type="datetimeFigureOut">
               <a:rPr lang="ko-KR" altLang="en-US" smtClean="0"/>
-              <a:t>2019-08-02</a:t>
+              <a:t>2019-08-07</a:t>
             </a:fld>
             <a:endParaRPr lang="ko-KR" altLang="en-US"/>
           </a:p>
@@ -2690,7 +2694,7 @@
           <a:p>
             <a:fld id="{8D6BB545-6D50-481C-A058-3FDF74AC1A66}" type="datetimeFigureOut">
               <a:rPr lang="ko-KR" altLang="en-US" smtClean="0"/>
-              <a:t>2019-08-02</a:t>
+              <a:t>2019-08-07</a:t>
             </a:fld>
             <a:endParaRPr lang="ko-KR" altLang="en-US"/>
           </a:p>
@@ -2936,7 +2940,7 @@
           <a:p>
             <a:fld id="{8D6BB545-6D50-481C-A058-3FDF74AC1A66}" type="datetimeFigureOut">
               <a:rPr lang="ko-KR" altLang="en-US" smtClean="0"/>
-              <a:t>2019-08-02</a:t>
+              <a:t>2019-08-07</a:t>
             </a:fld>
             <a:endParaRPr lang="ko-KR" altLang="en-US"/>
           </a:p>
@@ -3168,7 +3172,7 @@
           <a:p>
             <a:fld id="{8D6BB545-6D50-481C-A058-3FDF74AC1A66}" type="datetimeFigureOut">
               <a:rPr lang="ko-KR" altLang="en-US" smtClean="0"/>
-              <a:t>2019-08-02</a:t>
+              <a:t>2019-08-07</a:t>
             </a:fld>
             <a:endParaRPr lang="ko-KR" altLang="en-US"/>
           </a:p>
@@ -3535,7 +3539,7 @@
           <a:p>
             <a:fld id="{8D6BB545-6D50-481C-A058-3FDF74AC1A66}" type="datetimeFigureOut">
               <a:rPr lang="ko-KR" altLang="en-US" smtClean="0"/>
-              <a:t>2019-08-02</a:t>
+              <a:t>2019-08-07</a:t>
             </a:fld>
             <a:endParaRPr lang="ko-KR" altLang="en-US"/>
           </a:p>
@@ -3653,7 +3657,7 @@
           <a:p>
             <a:fld id="{8D6BB545-6D50-481C-A058-3FDF74AC1A66}" type="datetimeFigureOut">
               <a:rPr lang="ko-KR" altLang="en-US" smtClean="0"/>
-              <a:t>2019-08-02</a:t>
+              <a:t>2019-08-07</a:t>
             </a:fld>
             <a:endParaRPr lang="ko-KR" altLang="en-US"/>
           </a:p>
@@ -3748,7 +3752,7 @@
           <a:p>
             <a:fld id="{8D6BB545-6D50-481C-A058-3FDF74AC1A66}" type="datetimeFigureOut">
               <a:rPr lang="ko-KR" altLang="en-US" smtClean="0"/>
-              <a:t>2019-08-02</a:t>
+              <a:t>2019-08-07</a:t>
             </a:fld>
             <a:endParaRPr lang="ko-KR" altLang="en-US"/>
           </a:p>
@@ -4025,7 +4029,7 @@
           <a:p>
             <a:fld id="{8D6BB545-6D50-481C-A058-3FDF74AC1A66}" type="datetimeFigureOut">
               <a:rPr lang="ko-KR" altLang="en-US" smtClean="0"/>
-              <a:t>2019-08-02</a:t>
+              <a:t>2019-08-07</a:t>
             </a:fld>
             <a:endParaRPr lang="ko-KR" altLang="en-US"/>
           </a:p>
@@ -4278,7 +4282,7 @@
           <a:p>
             <a:fld id="{8D6BB545-6D50-481C-A058-3FDF74AC1A66}" type="datetimeFigureOut">
               <a:rPr lang="ko-KR" altLang="en-US" smtClean="0"/>
-              <a:t>2019-08-02</a:t>
+              <a:t>2019-08-07</a:t>
             </a:fld>
             <a:endParaRPr lang="ko-KR" altLang="en-US"/>
           </a:p>
@@ -4491,7 +4495,7 @@
           <a:p>
             <a:fld id="{8D6BB545-6D50-481C-A058-3FDF74AC1A66}" type="datetimeFigureOut">
               <a:rPr lang="ko-KR" altLang="en-US" smtClean="0"/>
-              <a:t>2019-08-02</a:t>
+              <a:t>2019-08-07</a:t>
             </a:fld>
             <a:endParaRPr lang="ko-KR" altLang="en-US"/>
           </a:p>
@@ -6394,17 +6398,12 @@
               <a:rPr lang="en-US" altLang="ko-KR" spc="-150" dirty="0" smtClean="0"/>
               <a:t>Higher impedance may increase the noise in the data. </a:t>
             </a:r>
-            <a:endParaRPr lang="en-US" altLang="ko-KR" spc="-150" dirty="0" smtClean="0"/>
           </a:p>
           <a:p>
             <a:pPr lvl="1"/>
             <a:r>
               <a:rPr lang="en-US" altLang="ko-KR" spc="-200" dirty="0" smtClean="0"/>
-              <a:t>Many EEG recording systems require the experimenter to lower the electrode </a:t>
-            </a:r>
-            <a:r>
-              <a:rPr lang="en-US" altLang="ko-KR" spc="-200" dirty="0" smtClean="0"/>
-              <a:t>impedance</a:t>
+              <a:t>Many EEG recording systems require the experimenter to lower the electrode impedance</a:t>
             </a:r>
           </a:p>
           <a:p>
@@ -6474,15 +6473,7 @@
           <a:p>
             <a:r>
               <a:rPr lang="en-US" altLang="ko-KR" dirty="0" smtClean="0"/>
-              <a:t>Skin, </a:t>
-            </a:r>
-            <a:r>
-              <a:rPr lang="en-US" altLang="ko-KR" dirty="0" smtClean="0"/>
-              <a:t>Impedance</a:t>
-            </a:r>
-            <a:r>
-              <a:rPr lang="en-US" altLang="ko-KR" dirty="0" smtClean="0"/>
-              <a:t>, and Skin Potentials </a:t>
+              <a:t>Skin, Impedance, and Skin Potentials </a:t>
             </a:r>
             <a:endParaRPr lang="ko-KR" altLang="en-US" dirty="0"/>
           </a:p>
